--- a/source/dev/Monitor.pptx
+++ b/source/dev/Monitor.pptx
@@ -108,6 +108,11 @@
       </a:defRPr>
     </a:lvl9pPr>
   </p:defaultTextStyle>
+  <p:extLst>
+    <p:ext uri="{EFAFB233-063F-42B5-8137-9DF3F51BA10A}">
+      <p15:sldGuideLst xmlns:p15="http://schemas.microsoft.com/office/powerpoint/2012/main"/>
+    </p:ext>
+  </p:extLst>
 </p:presentation>
 </file>
 
@@ -260,7 +265,7 @@
           <a:p>
             <a:fld id="{81678307-F1A7-46C2-A7C2-4A3ADF6991FE}" type="datetimeFigureOut">
               <a:rPr lang="fr-FR" smtClean="0"/>
-              <a:t>25/03/2021</a:t>
+              <a:t>11/06/2021</a:t>
             </a:fld>
             <a:endParaRPr lang="fr-FR"/>
           </a:p>
@@ -460,7 +465,7 @@
           <a:p>
             <a:fld id="{81678307-F1A7-46C2-A7C2-4A3ADF6991FE}" type="datetimeFigureOut">
               <a:rPr lang="fr-FR" smtClean="0"/>
-              <a:t>25/03/2021</a:t>
+              <a:t>11/06/2021</a:t>
             </a:fld>
             <a:endParaRPr lang="fr-FR"/>
           </a:p>
@@ -670,7 +675,7 @@
           <a:p>
             <a:fld id="{81678307-F1A7-46C2-A7C2-4A3ADF6991FE}" type="datetimeFigureOut">
               <a:rPr lang="fr-FR" smtClean="0"/>
-              <a:t>25/03/2021</a:t>
+              <a:t>11/06/2021</a:t>
             </a:fld>
             <a:endParaRPr lang="fr-FR"/>
           </a:p>
@@ -870,7 +875,7 @@
           <a:p>
             <a:fld id="{81678307-F1A7-46C2-A7C2-4A3ADF6991FE}" type="datetimeFigureOut">
               <a:rPr lang="fr-FR" smtClean="0"/>
-              <a:t>25/03/2021</a:t>
+              <a:t>11/06/2021</a:t>
             </a:fld>
             <a:endParaRPr lang="fr-FR"/>
           </a:p>
@@ -1146,7 +1151,7 @@
           <a:p>
             <a:fld id="{81678307-F1A7-46C2-A7C2-4A3ADF6991FE}" type="datetimeFigureOut">
               <a:rPr lang="fr-FR" smtClean="0"/>
-              <a:t>25/03/2021</a:t>
+              <a:t>11/06/2021</a:t>
             </a:fld>
             <a:endParaRPr lang="fr-FR"/>
           </a:p>
@@ -1414,7 +1419,7 @@
           <a:p>
             <a:fld id="{81678307-F1A7-46C2-A7C2-4A3ADF6991FE}" type="datetimeFigureOut">
               <a:rPr lang="fr-FR" smtClean="0"/>
-              <a:t>25/03/2021</a:t>
+              <a:t>11/06/2021</a:t>
             </a:fld>
             <a:endParaRPr lang="fr-FR"/>
           </a:p>
@@ -1829,7 +1834,7 @@
           <a:p>
             <a:fld id="{81678307-F1A7-46C2-A7C2-4A3ADF6991FE}" type="datetimeFigureOut">
               <a:rPr lang="fr-FR" smtClean="0"/>
-              <a:t>25/03/2021</a:t>
+              <a:t>11/06/2021</a:t>
             </a:fld>
             <a:endParaRPr lang="fr-FR"/>
           </a:p>
@@ -1971,7 +1976,7 @@
           <a:p>
             <a:fld id="{81678307-F1A7-46C2-A7C2-4A3ADF6991FE}" type="datetimeFigureOut">
               <a:rPr lang="fr-FR" smtClean="0"/>
-              <a:t>25/03/2021</a:t>
+              <a:t>11/06/2021</a:t>
             </a:fld>
             <a:endParaRPr lang="fr-FR"/>
           </a:p>
@@ -2084,7 +2089,7 @@
           <a:p>
             <a:fld id="{81678307-F1A7-46C2-A7C2-4A3ADF6991FE}" type="datetimeFigureOut">
               <a:rPr lang="fr-FR" smtClean="0"/>
-              <a:t>25/03/2021</a:t>
+              <a:t>11/06/2021</a:t>
             </a:fld>
             <a:endParaRPr lang="fr-FR"/>
           </a:p>
@@ -2397,7 +2402,7 @@
           <a:p>
             <a:fld id="{81678307-F1A7-46C2-A7C2-4A3ADF6991FE}" type="datetimeFigureOut">
               <a:rPr lang="fr-FR" smtClean="0"/>
-              <a:t>25/03/2021</a:t>
+              <a:t>11/06/2021</a:t>
             </a:fld>
             <a:endParaRPr lang="fr-FR"/>
           </a:p>
@@ -2686,7 +2691,7 @@
           <a:p>
             <a:fld id="{81678307-F1A7-46C2-A7C2-4A3ADF6991FE}" type="datetimeFigureOut">
               <a:rPr lang="fr-FR" smtClean="0"/>
-              <a:t>25/03/2021</a:t>
+              <a:t>11/06/2021</a:t>
             </a:fld>
             <a:endParaRPr lang="fr-FR"/>
           </a:p>
@@ -2929,7 +2934,7 @@
           <a:p>
             <a:fld id="{81678307-F1A7-46C2-A7C2-4A3ADF6991FE}" type="datetimeFigureOut">
               <a:rPr lang="fr-FR" smtClean="0"/>
-              <a:t>25/03/2021</a:t>
+              <a:t>11/06/2021</a:t>
             </a:fld>
             <a:endParaRPr lang="fr-FR"/>
           </a:p>
@@ -4078,13 +4083,13 @@
 
 <file path=ppt/tags/tag1.xml><?xml version="1.0" encoding="utf-8"?>
 <p:tagLst xmlns:a="http://schemas.openxmlformats.org/drawingml/2006/main" xmlns:r="http://schemas.openxmlformats.org/officeDocument/2006/relationships" xmlns:p="http://schemas.openxmlformats.org/presentationml/2006/main">
-  <p:tag name="CLINAME" val="ᡪᢃᡘᢁᡶᢈᢈ᡾᡻᡾᡺᡹"/>
-  <p:tag name="DATETIME" val="ᡈᡄᡇᡊᡄᡇᡅᡇᡆᠵᠵᡆᡆᡏᡈᡅᡖᡢᠵᠽᡜᡢᡩᡀᡆᡏᡅᠾ"/>
-  <p:tag name="DONEBY" val="ᡨᡩᡱᡸ᡽ᡶᢇᢅ᡺ᢃᢉ"/>
-  <p:tag name="IPADDRESS" val="ᡜᡣᡗᡘᡬᡙᡅᡋᡉᡈ"/>
   <p:tag name="APPVER" val="ᡈᡃᡅ"/>
   <p:tag name="RANDOM" val="21"/>
-  <p:tag name="CHECKSUM" val="ᡉᡉᡆᡈ"/>
+  <p:tag name="CLINAME" val="ᡪᢃᡘᢁᡶᢈᢈ᡾᡻᡾᡺᡹!ᡪᢃᡘᢁᡶᢈᢈ᡾᡻᡾᡺᡹!ᡪᢃᡘᢁᡶᢈᢈ᡾᡻᡾᡺᡹"/>
+  <p:tag name="DATETIME" val="ᡈᡄᡇᡊᡄᡇᡅᡇᡆᠵᠵᡆᡆᡏᡈᡅᡖᡢᠵᠽᡜᡢᡩᡀᡆᡏᡅᠾ!ᡋᡄᡆᡆᡄᡇᡅᡇᡆᠵᠵᡆᡆᡏᡈᡅᠵᠽᡜᡢᡩᡀᡇᡏᡅᠾ!ᡋᡄᡆᡆᡄᡇᡅᡇᡆᠵᠵᡆᡆᡏᡈᡅᠵᠽᡜᡢᡩᡀᡇᡏᡅᠾ"/>
+  <p:tag name="DONEBY" val="ᡨᡩᡱᡸ᡽ᡶᢇᢅ᡺ᢃᢉ!ᡰᡪᢃᡘᢁᡶᢈᢈ᡾᡻᡾᡺᡹ᡲᠵᡓᠵᡖᡞᡥᠵ᡽ᡶᢃ᡹ᢄᢋ᡺ᢇ!ᡰᡪᢃᡘᢁᡶᢈᢈ᡾᡻᡾᡺᡹ᡲᠵᡓᠵᡖᡞᡥᠵ᡽ᡶᢃ᡹ᢄᢋ᡺ᢇ"/>
+  <p:tag name="IPADDRESS" val="ᡜᡣᡗᡘᡬᡙᡅᡋᡉᡈ!ᡜᡣᡗᡘᡬᡙᡅᡋᡉᡈ!ᡜᡣᡗᡘᡬᡙᡅᡋᡉᡈ"/>
+  <p:tag name="CHECKSUM" val="ᡉᡉᡆᡈ!ᡊᡌᡍᡈ!ᡊᡌᡍᡈ"/>
 </p:tagLst>
 </file>
 
